--- a/Presentation/11th Jan /presentation1-11-brennan.pptx
+++ b/Presentation/11th Jan /presentation1-11-brennan.pptx
@@ -270,7 +270,7 @@
           <a:bodyPr lIns="0" rIns="0" tIns="0" bIns="0" anchor="b"/>
           <a:p>
             <a:pPr algn="r"/>
-            <a:fld id="{C94EEC9E-5BBC-4729-9756-CA1976F5B503}" type="slidenum">
+            <a:fld id="{46565681-E54B-400B-AE4A-5F3E77093BCC}" type="slidenum">
               <a:rPr b="0" lang="en-US" sz="1400" spc="-1" strike="noStrike">
                 <a:solidFill>
                   <a:srgbClr val="000000"/>
@@ -334,7 +334,7 @@
         <p:spPr>
           <a:xfrm>
             <a:off x="685800" y="4343400"/>
-            <a:ext cx="5484960" cy="4113360"/>
+            <a:ext cx="5484600" cy="4113000"/>
           </a:xfrm>
           <a:prstGeom prst="rect">
             <a:avLst/>
@@ -366,7 +366,7 @@
         <p:spPr>
           <a:xfrm>
             <a:off x="3884760" y="8685360"/>
-            <a:ext cx="2970360" cy="455760"/>
+            <a:ext cx="2970000" cy="455400"/>
           </a:xfrm>
           <a:prstGeom prst="rect">
             <a:avLst/>
@@ -390,7 +390,7 @@
                 <a:spcPct val="100000"/>
               </a:lnSpc>
             </a:pPr>
-            <a:fld id="{FCAFBBC7-81D2-47D9-BAE2-9CA757EAC85E}" type="slidenum">
+            <a:fld id="{6A3A4E7D-A97A-483F-81C9-EEC4F65D8617}" type="slidenum">
               <a:rPr b="0" lang="en-US" sz="1200" spc="-1" strike="noStrike">
                 <a:solidFill>
                   <a:srgbClr val="000000"/>
@@ -454,7 +454,7 @@
         <p:spPr>
           <a:xfrm>
             <a:off x="685800" y="4343400"/>
-            <a:ext cx="5484960" cy="4113360"/>
+            <a:ext cx="5484600" cy="4113000"/>
           </a:xfrm>
           <a:prstGeom prst="rect">
             <a:avLst/>
@@ -486,7 +486,7 @@
         <p:spPr>
           <a:xfrm>
             <a:off x="3884760" y="8685360"/>
-            <a:ext cx="2970360" cy="455760"/>
+            <a:ext cx="2970000" cy="455400"/>
           </a:xfrm>
           <a:prstGeom prst="rect">
             <a:avLst/>
@@ -510,7 +510,7 @@
                 <a:spcPct val="100000"/>
               </a:lnSpc>
             </a:pPr>
-            <a:fld id="{03A39F96-A5A9-4385-9417-924801F56A12}" type="slidenum">
+            <a:fld id="{E5F0653D-83BF-4A3C-AE2C-182D9437023E}" type="slidenum">
               <a:rPr b="0" lang="en-US" sz="1200" spc="-1" strike="noStrike">
                 <a:solidFill>
                   <a:srgbClr val="000000"/>
@@ -574,7 +574,7 @@
         <p:spPr>
           <a:xfrm>
             <a:off x="685800" y="4343400"/>
-            <a:ext cx="5484960" cy="4113360"/>
+            <a:ext cx="5484600" cy="4113000"/>
           </a:xfrm>
           <a:prstGeom prst="rect">
             <a:avLst/>
@@ -606,7 +606,7 @@
         <p:spPr>
           <a:xfrm>
             <a:off x="3884760" y="8685360"/>
-            <a:ext cx="2970360" cy="455760"/>
+            <a:ext cx="2970000" cy="455400"/>
           </a:xfrm>
           <a:prstGeom prst="rect">
             <a:avLst/>
@@ -630,7 +630,7 @@
                 <a:spcPct val="100000"/>
               </a:lnSpc>
             </a:pPr>
-            <a:fld id="{106A91F5-3611-4BB4-9EC1-1291C3F2957E}" type="slidenum">
+            <a:fld id="{B05964F3-E990-4B1E-90E8-99BDA2C17132}" type="slidenum">
               <a:rPr b="0" lang="en-US" sz="1200" spc="-1" strike="noStrike">
                 <a:solidFill>
                   <a:srgbClr val="000000"/>
@@ -643,7 +643,7 @@
                 <a:latin typeface="Calibri"/>
                 <a:ea typeface="Calibri"/>
               </a:rPr>
-              <a:t>&lt;number&gt;</a:t>
+              <a:t>1</a:t>
             </a:fld>
             <a:endParaRPr b="0" lang="en-US" sz="1800" spc="-1" strike="noStrike">
               <a:solidFill>
@@ -694,7 +694,7 @@
         <p:spPr>
           <a:xfrm>
             <a:off x="685800" y="4343400"/>
-            <a:ext cx="5484960" cy="4113360"/>
+            <a:ext cx="5484600" cy="4113000"/>
           </a:xfrm>
           <a:prstGeom prst="rect">
             <a:avLst/>
@@ -726,7 +726,7 @@
         <p:spPr>
           <a:xfrm>
             <a:off x="3884760" y="8685360"/>
-            <a:ext cx="2970360" cy="455760"/>
+            <a:ext cx="2970000" cy="455400"/>
           </a:xfrm>
           <a:prstGeom prst="rect">
             <a:avLst/>
@@ -750,7 +750,7 @@
                 <a:spcPct val="100000"/>
               </a:lnSpc>
             </a:pPr>
-            <a:fld id="{B82A3A48-397A-418E-9D81-99D23339E79F}" type="slidenum">
+            <a:fld id="{4BABA01A-C8ED-4AB4-9B3D-EDE8D20216EF}" type="slidenum">
               <a:rPr b="0" lang="en-US" sz="1200" spc="-1" strike="noStrike">
                 <a:solidFill>
                   <a:srgbClr val="000000"/>
@@ -814,7 +814,7 @@
         <p:spPr>
           <a:xfrm>
             <a:off x="685800" y="4343400"/>
-            <a:ext cx="5484960" cy="4113360"/>
+            <a:ext cx="5484600" cy="4113000"/>
           </a:xfrm>
           <a:prstGeom prst="rect">
             <a:avLst/>
@@ -846,7 +846,7 @@
         <p:spPr>
           <a:xfrm>
             <a:off x="3884760" y="8685360"/>
-            <a:ext cx="2970360" cy="455760"/>
+            <a:ext cx="2970000" cy="455400"/>
           </a:xfrm>
           <a:prstGeom prst="rect">
             <a:avLst/>
@@ -870,7 +870,7 @@
                 <a:spcPct val="100000"/>
               </a:lnSpc>
             </a:pPr>
-            <a:fld id="{0E86A83F-9AF8-4DFD-94A2-FD59BF84EABF}" type="slidenum">
+            <a:fld id="{A32F6E65-38F5-47FA-826A-E0B4DF14E054}" type="slidenum">
               <a:rPr b="0" lang="en-US" sz="1200" spc="-1" strike="noStrike">
                 <a:solidFill>
                   <a:srgbClr val="000000"/>
@@ -934,7 +934,7 @@
         <p:spPr>
           <a:xfrm>
             <a:off x="685800" y="4343400"/>
-            <a:ext cx="5484960" cy="4113360"/>
+            <a:ext cx="5484600" cy="4113000"/>
           </a:xfrm>
           <a:prstGeom prst="rect">
             <a:avLst/>
@@ -966,7 +966,7 @@
         <p:spPr>
           <a:xfrm>
             <a:off x="3884760" y="8685360"/>
-            <a:ext cx="2970360" cy="455760"/>
+            <a:ext cx="2970000" cy="455400"/>
           </a:xfrm>
           <a:prstGeom prst="rect">
             <a:avLst/>
@@ -990,7 +990,7 @@
                 <a:spcPct val="100000"/>
               </a:lnSpc>
             </a:pPr>
-            <a:fld id="{DDDC4001-23F2-4CD0-A133-61C0B0CA6F30}" type="slidenum">
+            <a:fld id="{B1B9F0FB-7F89-4127-A2ED-170BDDC29DB4}" type="slidenum">
               <a:rPr b="0" lang="en-US" sz="1200" spc="-1" strike="noStrike">
                 <a:solidFill>
                   <a:srgbClr val="000000"/>
@@ -1054,7 +1054,7 @@
         <p:spPr>
           <a:xfrm>
             <a:off x="685800" y="4343400"/>
-            <a:ext cx="5484960" cy="4113360"/>
+            <a:ext cx="5484600" cy="4113000"/>
           </a:xfrm>
           <a:prstGeom prst="rect">
             <a:avLst/>
@@ -1086,7 +1086,7 @@
         <p:spPr>
           <a:xfrm>
             <a:off x="3884760" y="8685360"/>
-            <a:ext cx="2970360" cy="455760"/>
+            <a:ext cx="2970000" cy="455400"/>
           </a:xfrm>
           <a:prstGeom prst="rect">
             <a:avLst/>
@@ -1110,7 +1110,7 @@
                 <a:spcPct val="100000"/>
               </a:lnSpc>
             </a:pPr>
-            <a:fld id="{AE63DB8A-4BB4-4291-BA9F-C2FF4C30B363}" type="slidenum">
+            <a:fld id="{406D7C22-1321-4E1E-AA6B-7F6E463958EB}" type="slidenum">
               <a:rPr b="0" lang="en-US" sz="1200" spc="-1" strike="noStrike">
                 <a:solidFill>
                   <a:srgbClr val="000000"/>
@@ -1174,7 +1174,7 @@
         <p:spPr>
           <a:xfrm>
             <a:off x="685800" y="4343400"/>
-            <a:ext cx="5484960" cy="4113360"/>
+            <a:ext cx="5484600" cy="4113000"/>
           </a:xfrm>
           <a:prstGeom prst="rect">
             <a:avLst/>
@@ -1206,7 +1206,7 @@
         <p:spPr>
           <a:xfrm>
             <a:off x="3884760" y="8685360"/>
-            <a:ext cx="2970360" cy="455760"/>
+            <a:ext cx="2970000" cy="455400"/>
           </a:xfrm>
           <a:prstGeom prst="rect">
             <a:avLst/>
@@ -1230,7 +1230,7 @@
                 <a:spcPct val="100000"/>
               </a:lnSpc>
             </a:pPr>
-            <a:fld id="{AAA7AD60-4AAD-4576-9954-B33AC525FB15}" type="slidenum">
+            <a:fld id="{CF7D1EB7-844B-4526-AB3C-66494FE7ED37}" type="slidenum">
               <a:rPr b="0" lang="en-US" sz="1200" spc="-1" strike="noStrike">
                 <a:solidFill>
                   <a:srgbClr val="000000"/>
@@ -1294,7 +1294,7 @@
         <p:spPr>
           <a:xfrm>
             <a:off x="685800" y="4343400"/>
-            <a:ext cx="5484960" cy="4113360"/>
+            <a:ext cx="5484600" cy="4113000"/>
           </a:xfrm>
           <a:prstGeom prst="rect">
             <a:avLst/>
@@ -1326,7 +1326,7 @@
         <p:spPr>
           <a:xfrm>
             <a:off x="3884760" y="8685360"/>
-            <a:ext cx="2970360" cy="455760"/>
+            <a:ext cx="2970000" cy="455400"/>
           </a:xfrm>
           <a:prstGeom prst="rect">
             <a:avLst/>
@@ -1350,7 +1350,7 @@
                 <a:spcPct val="100000"/>
               </a:lnSpc>
             </a:pPr>
-            <a:fld id="{DDF8CDEA-07BF-4C50-A253-ECDE531E24CF}" type="slidenum">
+            <a:fld id="{599672CE-01AA-43E3-852D-BF77D0CFFA6F}" type="slidenum">
               <a:rPr b="0" lang="en-US" sz="1200" spc="-1" strike="noStrike">
                 <a:solidFill>
                   <a:srgbClr val="000000"/>
@@ -1414,7 +1414,7 @@
         <p:spPr>
           <a:xfrm>
             <a:off x="685800" y="4343400"/>
-            <a:ext cx="5484960" cy="4113360"/>
+            <a:ext cx="5484600" cy="4113000"/>
           </a:xfrm>
           <a:prstGeom prst="rect">
             <a:avLst/>
@@ -1446,7 +1446,7 @@
         <p:spPr>
           <a:xfrm>
             <a:off x="3884760" y="8685360"/>
-            <a:ext cx="2970360" cy="455760"/>
+            <a:ext cx="2970000" cy="455400"/>
           </a:xfrm>
           <a:prstGeom prst="rect">
             <a:avLst/>
@@ -1470,7 +1470,7 @@
                 <a:spcPct val="100000"/>
               </a:lnSpc>
             </a:pPr>
-            <a:fld id="{553514D1-1EA6-4B37-9B59-66B923D100AA}" type="slidenum">
+            <a:fld id="{131AA46B-3407-43AD-B219-DA97EC8996FA}" type="slidenum">
               <a:rPr b="0" lang="en-US" sz="1200" spc="-1" strike="noStrike">
                 <a:solidFill>
                   <a:srgbClr val="000000"/>
@@ -1534,7 +1534,7 @@
         <p:spPr>
           <a:xfrm>
             <a:off x="685800" y="4343400"/>
-            <a:ext cx="5484960" cy="4113360"/>
+            <a:ext cx="5484600" cy="4113000"/>
           </a:xfrm>
           <a:prstGeom prst="rect">
             <a:avLst/>
@@ -1566,7 +1566,7 @@
         <p:spPr>
           <a:xfrm>
             <a:off x="3884760" y="8685360"/>
-            <a:ext cx="2970360" cy="455760"/>
+            <a:ext cx="2970000" cy="455400"/>
           </a:xfrm>
           <a:prstGeom prst="rect">
             <a:avLst/>
@@ -1590,7 +1590,7 @@
                 <a:spcPct val="100000"/>
               </a:lnSpc>
             </a:pPr>
-            <a:fld id="{54450A1C-04E4-4603-936A-B46DD95C92A0}" type="slidenum">
+            <a:fld id="{6AD437FE-D681-4F49-8AF0-DD07C41D135B}" type="slidenum">
               <a:rPr b="0" lang="en-US" sz="1200" spc="-1" strike="noStrike">
                 <a:solidFill>
                   <a:srgbClr val="000000"/>
@@ -6079,7 +6079,7 @@
         <p:spPr>
           <a:xfrm>
             <a:off x="76320" y="150840"/>
-            <a:ext cx="183240" cy="367920"/>
+            <a:ext cx="182880" cy="367560"/>
           </a:xfrm>
           <a:prstGeom prst="rect">
             <a:avLst/>
@@ -6109,7 +6109,7 @@
         <p:spPr>
           <a:xfrm>
             <a:off x="0" y="0"/>
-            <a:ext cx="9142560" cy="5118840"/>
+            <a:ext cx="9142200" cy="5118480"/>
           </a:xfrm>
           <a:prstGeom prst="rect">
             <a:avLst/>
@@ -6132,7 +6132,7 @@
         <p:spPr>
           <a:xfrm>
             <a:off x="457200" y="205200"/>
-            <a:ext cx="8228880" cy="858240"/>
+            <a:ext cx="8229240" cy="858600"/>
           </a:xfrm>
           <a:prstGeom prst="rect">
             <a:avLst/>
@@ -6142,6 +6142,34 @@
           <a:bodyPr lIns="0" rIns="0" tIns="0" bIns="0" anchor="ctr"/>
           <a:p>
             <a:pPr algn="ctr"/>
+            <a:r>
+              <a:rPr b="0" lang="en-US" sz="4400" spc="-1" strike="noStrike">
+                <a:solidFill>
+                  <a:srgbClr val="000000"/>
+                </a:solidFill>
+                <a:uFill>
+                  <a:solidFill>
+                    <a:srgbClr val="ffffff"/>
+                  </a:solidFill>
+                </a:uFill>
+                <a:latin typeface="Arial"/>
+              </a:rPr>
+              <a:t>Click to edit the </a:t>
+            </a:r>
+            <a:r>
+              <a:rPr b="0" lang="en-US" sz="4400" spc="-1" strike="noStrike">
+                <a:solidFill>
+                  <a:srgbClr val="000000"/>
+                </a:solidFill>
+                <a:uFill>
+                  <a:solidFill>
+                    <a:srgbClr val="ffffff"/>
+                  </a:solidFill>
+                </a:uFill>
+                <a:latin typeface="Arial"/>
+              </a:rPr>
+              <a:t>title text format</a:t>
+            </a:r>
             <a:endParaRPr b="0" lang="en-US" sz="4400" spc="-1" strike="noStrike">
               <a:solidFill>
                 <a:srgbClr val="000000"/>
@@ -6169,7 +6197,7 @@
         <p:spPr>
           <a:xfrm>
             <a:off x="457200" y="1203480"/>
-            <a:ext cx="8228880" cy="2982600"/>
+            <a:ext cx="8229240" cy="2982960"/>
           </a:xfrm>
           <a:prstGeom prst="rect">
             <a:avLst/>
@@ -6187,7 +6215,7 @@
               <a:buChar char=""/>
             </a:pPr>
             <a:r>
-              <a:rPr b="0" lang="en-US" sz="1800" spc="-1" strike="noStrike">
+              <a:rPr b="0" lang="en-US" sz="3200" spc="-1" strike="noStrike">
                 <a:solidFill>
                   <a:srgbClr val="000000"/>
                 </a:solidFill>
@@ -6200,7 +6228,7 @@
               </a:rPr>
               <a:t>Click to edit the outline text format</a:t>
             </a:r>
-            <a:endParaRPr b="0" lang="en-US" sz="1800" spc="-1" strike="noStrike">
+            <a:endParaRPr b="0" lang="en-US" sz="3200" spc="-1" strike="noStrike">
               <a:solidFill>
                 <a:srgbClr val="000000"/>
               </a:solidFill>
@@ -6222,7 +6250,7 @@
               <a:buChar char=""/>
             </a:pPr>
             <a:r>
-              <a:rPr b="0" lang="en-US" sz="1800" spc="-1" strike="noStrike">
+              <a:rPr b="0" lang="en-US" sz="2800" spc="-1" strike="noStrike">
                 <a:solidFill>
                   <a:srgbClr val="000000"/>
                 </a:solidFill>
@@ -6235,7 +6263,7 @@
               </a:rPr>
               <a:t>Second Outline Level</a:t>
             </a:r>
-            <a:endParaRPr b="0" lang="en-US" sz="1800" spc="-1" strike="noStrike">
+            <a:endParaRPr b="0" lang="en-US" sz="2800" spc="-1" strike="noStrike">
               <a:solidFill>
                 <a:srgbClr val="000000"/>
               </a:solidFill>
@@ -6257,7 +6285,7 @@
               <a:buChar char=""/>
             </a:pPr>
             <a:r>
-              <a:rPr b="0" lang="en-US" sz="1800" spc="-1" strike="noStrike">
+              <a:rPr b="0" lang="en-US" sz="2400" spc="-1" strike="noStrike">
                 <a:solidFill>
                   <a:srgbClr val="000000"/>
                 </a:solidFill>
@@ -6270,7 +6298,7 @@
               </a:rPr>
               <a:t>Third Outline Level</a:t>
             </a:r>
-            <a:endParaRPr b="0" lang="en-US" sz="1800" spc="-1" strike="noStrike">
+            <a:endParaRPr b="0" lang="en-US" sz="2400" spc="-1" strike="noStrike">
               <a:solidFill>
                 <a:srgbClr val="000000"/>
               </a:solidFill>
@@ -6292,7 +6320,7 @@
               <a:buChar char=""/>
             </a:pPr>
             <a:r>
-              <a:rPr b="0" lang="en-US" sz="1800" spc="-1" strike="noStrike">
+              <a:rPr b="0" lang="en-US" sz="2000" spc="-1" strike="noStrike">
                 <a:solidFill>
                   <a:srgbClr val="000000"/>
                 </a:solidFill>
@@ -6305,7 +6333,7 @@
               </a:rPr>
               <a:t>Fourth Outline Level</a:t>
             </a:r>
-            <a:endParaRPr b="0" lang="en-US" sz="1800" spc="-1" strike="noStrike">
+            <a:endParaRPr b="0" lang="en-US" sz="2000" spc="-1" strike="noStrike">
               <a:solidFill>
                 <a:srgbClr val="000000"/>
               </a:solidFill>
@@ -6327,7 +6355,7 @@
               <a:buChar char=""/>
             </a:pPr>
             <a:r>
-              <a:rPr b="0" lang="en-US" sz="1800" spc="-1" strike="noStrike">
+              <a:rPr b="0" lang="en-US" sz="2000" spc="-1" strike="noStrike">
                 <a:solidFill>
                   <a:srgbClr val="000000"/>
                 </a:solidFill>
@@ -6340,7 +6368,7 @@
               </a:rPr>
               <a:t>Fifth Outline Level</a:t>
             </a:r>
-            <a:endParaRPr b="0" lang="en-US" sz="1800" spc="-1" strike="noStrike">
+            <a:endParaRPr b="0" lang="en-US" sz="2000" spc="-1" strike="noStrike">
               <a:solidFill>
                 <a:srgbClr val="000000"/>
               </a:solidFill>
@@ -6362,7 +6390,7 @@
               <a:buChar char=""/>
             </a:pPr>
             <a:r>
-              <a:rPr b="0" lang="en-US" sz="1800" spc="-1" strike="noStrike">
+              <a:rPr b="0" lang="en-US" sz="2000" spc="-1" strike="noStrike">
                 <a:solidFill>
                   <a:srgbClr val="000000"/>
                 </a:solidFill>
@@ -6375,7 +6403,7 @@
               </a:rPr>
               <a:t>Sixth Outline Level</a:t>
             </a:r>
-            <a:endParaRPr b="0" lang="en-US" sz="1800" spc="-1" strike="noStrike">
+            <a:endParaRPr b="0" lang="en-US" sz="2000" spc="-1" strike="noStrike">
               <a:solidFill>
                 <a:srgbClr val="000000"/>
               </a:solidFill>
@@ -6397,7 +6425,7 @@
               <a:buChar char=""/>
             </a:pPr>
             <a:r>
-              <a:rPr b="0" lang="en-US" sz="1800" spc="-1" strike="noStrike">
+              <a:rPr b="0" lang="en-US" sz="2000" spc="-1" strike="noStrike">
                 <a:solidFill>
                   <a:srgbClr val="000000"/>
                 </a:solidFill>
@@ -6410,7 +6438,7 @@
               </a:rPr>
               <a:t>Seventh Outline Level</a:t>
             </a:r>
-            <a:endParaRPr b="0" lang="en-US" sz="1800" spc="-1" strike="noStrike">
+            <a:endParaRPr b="0" lang="en-US" sz="2000" spc="-1" strike="noStrike">
               <a:solidFill>
                 <a:srgbClr val="000000"/>
               </a:solidFill>
@@ -6477,7 +6505,7 @@
         <p:spPr>
           <a:xfrm>
             <a:off x="76320" y="150840"/>
-            <a:ext cx="183240" cy="367920"/>
+            <a:ext cx="182880" cy="367560"/>
           </a:xfrm>
           <a:prstGeom prst="rect">
             <a:avLst/>
@@ -6503,7 +6531,7 @@
         <p:spPr>
           <a:xfrm>
             <a:off x="5946120" y="0"/>
-            <a:ext cx="3196440" cy="543600"/>
+            <a:ext cx="3196080" cy="543240"/>
           </a:xfrm>
           <a:prstGeom prst="rect">
             <a:avLst/>
@@ -6542,7 +6570,7 @@
         <p:spPr>
           <a:xfrm>
             <a:off x="7401600" y="172080"/>
-            <a:ext cx="1483200" cy="186480"/>
+            <a:ext cx="1482840" cy="186120"/>
           </a:xfrm>
           <a:prstGeom prst="rect">
             <a:avLst/>
@@ -6561,7 +6589,7 @@
         <p:spPr>
           <a:xfrm>
             <a:off x="0" y="5016600"/>
-            <a:ext cx="9142560" cy="125640"/>
+            <a:ext cx="9142200" cy="125280"/>
           </a:xfrm>
           <a:prstGeom prst="rect">
             <a:avLst/>
@@ -6589,7 +6617,7 @@
         <p:spPr>
           <a:xfrm>
             <a:off x="0" y="4952880"/>
-            <a:ext cx="9142560" cy="61920"/>
+            <a:ext cx="9142200" cy="61560"/>
           </a:xfrm>
           <a:prstGeom prst="rect">
             <a:avLst/>
@@ -6980,7 +7008,7 @@
         <p:spPr>
           <a:xfrm>
             <a:off x="76320" y="150840"/>
-            <a:ext cx="183240" cy="367920"/>
+            <a:ext cx="182880" cy="367560"/>
           </a:xfrm>
           <a:prstGeom prst="rect">
             <a:avLst/>
@@ -7362,7 +7390,7 @@
         <p:spPr>
           <a:xfrm>
             <a:off x="3660480" y="-23760"/>
-            <a:ext cx="5482080" cy="3555000"/>
+            <a:ext cx="5481720" cy="3554640"/>
           </a:xfrm>
           <a:prstGeom prst="rect">
             <a:avLst/>
@@ -7396,7 +7424,7 @@
         <p:spPr>
           <a:xfrm>
             <a:off x="6845400" y="205200"/>
-            <a:ext cx="2110320" cy="420840"/>
+            <a:ext cx="2109960" cy="420480"/>
           </a:xfrm>
           <a:prstGeom prst="rect">
             <a:avLst/>
@@ -7415,7 +7443,7 @@
         <p:spPr>
           <a:xfrm>
             <a:off x="3981960" y="2163960"/>
-            <a:ext cx="4197960" cy="660240"/>
+            <a:ext cx="4197600" cy="659880"/>
           </a:xfrm>
           <a:prstGeom prst="rect">
             <a:avLst/>
@@ -7510,7 +7538,7 @@
         <p:spPr>
           <a:xfrm>
             <a:off x="3981960" y="1107360"/>
-            <a:ext cx="4913280" cy="429480"/>
+            <a:ext cx="4912920" cy="429120"/>
           </a:xfrm>
           <a:prstGeom prst="rect">
             <a:avLst/>
@@ -7587,7 +7615,7 @@
         <p:spPr>
           <a:xfrm>
             <a:off x="4970880" y="3037680"/>
-            <a:ext cx="3924000" cy="344520"/>
+            <a:ext cx="3923640" cy="344160"/>
           </a:xfrm>
           <a:prstGeom prst="rect">
             <a:avLst/>
@@ -7624,7 +7652,7 @@
                 <a:latin typeface="Arial"/>
                 <a:ea typeface="Arial"/>
               </a:rPr>
-              <a:t>4</a:t>
+              <a:t>11</a:t>
             </a:r>
             <a:r>
               <a:rPr b="0" lang="en-US" sz="1200" spc="-1" strike="noStrike" baseline="30000">
@@ -7731,7 +7759,7 @@
         <p:spPr>
           <a:xfrm>
             <a:off x="443160" y="326880"/>
-            <a:ext cx="7315560" cy="856080"/>
+            <a:ext cx="7315200" cy="855720"/>
           </a:xfrm>
           <a:prstGeom prst="rect">
             <a:avLst/>
@@ -7793,7 +7821,7 @@
         <p:spPr>
           <a:xfrm>
             <a:off x="386640" y="1303920"/>
-            <a:ext cx="7984440" cy="3286800"/>
+            <a:ext cx="7984080" cy="3286440"/>
           </a:xfrm>
           <a:prstGeom prst="rect">
             <a:avLst/>
@@ -7812,7 +7840,7 @@
         <p:txBody>
           <a:bodyPr lIns="90000" rIns="90000" tIns="45000" bIns="45000"/>
           <a:p>
-            <a:pPr marL="228600" indent="-227160">
+            <a:pPr marL="228600" indent="-226800">
               <a:lnSpc>
                 <a:spcPct val="100000"/>
               </a:lnSpc>
@@ -7835,22 +7863,7 @@
                 <a:latin typeface="Arial"/>
                 <a:ea typeface="Arial"/>
               </a:rPr>
-              <a:t>Expanded standardized food </a:t>
-            </a:r>
-            <a:r>
-              <a:rPr b="0" lang="en-US" sz="2000" spc="-1" strike="noStrike">
-                <a:solidFill>
-                  <a:srgbClr val="000000"/>
-                </a:solidFill>
-                <a:uFill>
-                  <a:solidFill>
-                    <a:srgbClr val="ffffff"/>
-                  </a:solidFill>
-                </a:uFill>
-                <a:latin typeface="Arial"/>
-                <a:ea typeface="Arial"/>
-              </a:rPr>
-              <a:t>description </a:t>
+              <a:t>Expanded standardized food description </a:t>
             </a:r>
             <a:endParaRPr b="0" lang="en-US" sz="1800" spc="-1" strike="noStrike">
               <a:solidFill>
@@ -7865,7 +7878,7 @@
             </a:endParaRPr>
           </a:p>
           <a:p>
-            <a:pPr marL="228600" indent="-227160">
+            <a:pPr marL="228600" indent="-226800">
               <a:lnSpc>
                 <a:spcPct val="100000"/>
               </a:lnSpc>
@@ -7888,22 +7901,7 @@
                 <a:latin typeface="Arial"/>
                 <a:ea typeface="Arial"/>
               </a:rPr>
-              <a:t>For some food groups. eg. (pork </a:t>
-            </a:r>
-            <a:r>
-              <a:rPr b="0" lang="en-US" sz="2000" spc="-1" strike="noStrike">
-                <a:solidFill>
-                  <a:srgbClr val="000000"/>
-                </a:solidFill>
-                <a:uFill>
-                  <a:solidFill>
-                    <a:srgbClr val="ffffff"/>
-                  </a:solidFill>
-                </a:uFill>
-                <a:latin typeface="Arial"/>
-                <a:ea typeface="Arial"/>
-              </a:rPr>
-              <a:t>products, spices and herbs, etc)</a:t>
+              <a:t>For some food groups. eg. (pork products, spices and herbs, etc)</a:t>
             </a:r>
             <a:endParaRPr b="0" lang="en-US" sz="1800" spc="-1" strike="noStrike">
               <a:solidFill>
@@ -7918,7 +7916,7 @@
             </a:endParaRPr>
           </a:p>
           <a:p>
-            <a:pPr marL="228600" indent="-227160">
+            <a:pPr marL="228600" indent="-226800">
               <a:lnSpc>
                 <a:spcPct val="100000"/>
               </a:lnSpc>
@@ -7941,22 +7939,7 @@
                 <a:latin typeface="Arial"/>
                 <a:ea typeface="Arial"/>
               </a:rPr>
-              <a:t>classifying food products for  </a:t>
-            </a:r>
-            <a:r>
-              <a:rPr b="0" lang="en-US" sz="2000" spc="-1" strike="noStrike">
-                <a:solidFill>
-                  <a:srgbClr val="000000"/>
-                </a:solidFill>
-                <a:uFill>
-                  <a:solidFill>
-                    <a:srgbClr val="ffffff"/>
-                  </a:solidFill>
-                </a:uFill>
-                <a:latin typeface="Arial"/>
-                <a:ea typeface="Arial"/>
-              </a:rPr>
-              <a:t>information retrieval</a:t>
+              <a:t>classifying food products for  information retrieval</a:t>
             </a:r>
             <a:endParaRPr b="0" lang="en-US" sz="1800" spc="-1" strike="noStrike">
               <a:solidFill>
@@ -7971,7 +7954,7 @@
             </a:endParaRPr>
           </a:p>
           <a:p>
-            <a:pPr marL="228600" indent="-227160">
+            <a:pPr marL="228600" indent="-226800">
               <a:lnSpc>
                 <a:spcPct val="100000"/>
               </a:lnSpc>
@@ -8009,7 +7992,7 @@
             </a:endParaRPr>
           </a:p>
           <a:p>
-            <a:pPr lvl="1" marL="432000" indent="-216000">
+            <a:pPr lvl="1" marL="432000" indent="-215640">
               <a:lnSpc>
                 <a:spcPct val="100000"/>
               </a:lnSpc>
@@ -8033,22 +8016,7 @@
                 <a:latin typeface="Arial"/>
                 <a:ea typeface="Arial"/>
               </a:rPr>
-              <a:t>Any food is comprised of </a:t>
-            </a:r>
-            <a:r>
-              <a:rPr b="0" lang="en-US" sz="2000" spc="-1" strike="noStrike">
-                <a:solidFill>
-                  <a:srgbClr val="000000"/>
-                </a:solidFill>
-                <a:uFill>
-                  <a:solidFill>
-                    <a:srgbClr val="ffffff"/>
-                  </a:solidFill>
-                </a:uFill>
-                <a:latin typeface="Arial"/>
-                <a:ea typeface="Arial"/>
-              </a:rPr>
-              <a:t>combination of characteristics</a:t>
+              <a:t>Any food is comprised of combination of characteristics</a:t>
             </a:r>
             <a:endParaRPr b="0" lang="en-US" sz="1800" spc="-1" strike="noStrike">
               <a:solidFill>
@@ -8063,7 +8031,7 @@
             </a:endParaRPr>
           </a:p>
           <a:p>
-            <a:pPr lvl="1" marL="432000" indent="-216000">
+            <a:pPr lvl="1" marL="432000" indent="-215640">
               <a:lnSpc>
                 <a:spcPct val="100000"/>
               </a:lnSpc>
@@ -8087,37 +8055,7 @@
                 <a:latin typeface="Arial"/>
                 <a:ea typeface="Arial"/>
               </a:rPr>
-              <a:t>Characteristics can be </a:t>
-            </a:r>
-            <a:r>
-              <a:rPr b="0" lang="en-US" sz="2000" spc="-1" strike="noStrike">
-                <a:solidFill>
-                  <a:srgbClr val="000000"/>
-                </a:solidFill>
-                <a:uFill>
-                  <a:solidFill>
-                    <a:srgbClr val="ffffff"/>
-                  </a:solidFill>
-                </a:uFill>
-                <a:latin typeface="Arial"/>
-                <a:ea typeface="Arial"/>
-              </a:rPr>
-              <a:t>categorized into viewpoints (&amp; </a:t>
-            </a:r>
-            <a:r>
-              <a:rPr b="0" lang="en-US" sz="2000" spc="-1" strike="noStrike">
-                <a:solidFill>
-                  <a:srgbClr val="000000"/>
-                </a:solidFill>
-                <a:uFill>
-                  <a:solidFill>
-                    <a:srgbClr val="ffffff"/>
-                  </a:solidFill>
-                </a:uFill>
-                <a:latin typeface="Arial"/>
-                <a:ea typeface="Arial"/>
-              </a:rPr>
-              <a:t>coded for computer processing)</a:t>
+              <a:t>Characteristics can be categorized into viewpoints (&amp; coded for computer processing)</a:t>
             </a:r>
             <a:endParaRPr b="0" lang="en-US" sz="1800" spc="-1" strike="noStrike">
               <a:solidFill>
@@ -8132,7 +8070,7 @@
             </a:endParaRPr>
           </a:p>
           <a:p>
-            <a:pPr lvl="1" marL="432000" indent="-216000">
+            <a:pPr lvl="1" marL="432000" indent="-215640">
               <a:lnSpc>
                 <a:spcPct val="100000"/>
               </a:lnSpc>
@@ -8156,52 +8094,7 @@
                 <a:latin typeface="Arial"/>
                 <a:ea typeface="Arial"/>
               </a:rPr>
-              <a:t>Resulting </a:t>
-            </a:r>
-            <a:r>
-              <a:rPr b="0" lang="en-US" sz="2000" spc="-1" strike="noStrike">
-                <a:solidFill>
-                  <a:srgbClr val="000000"/>
-                </a:solidFill>
-                <a:uFill>
-                  <a:solidFill>
-                    <a:srgbClr val="ffffff"/>
-                  </a:solidFill>
-                </a:uFill>
-                <a:latin typeface="Arial"/>
-                <a:ea typeface="Arial"/>
-              </a:rPr>
-              <a:t>viewpoints/characteristic codes </a:t>
-            </a:r>
-            <a:r>
-              <a:rPr b="0" lang="en-US" sz="2000" spc="-1" strike="noStrike">
-                <a:solidFill>
-                  <a:srgbClr val="000000"/>
-                </a:solidFill>
-                <a:uFill>
-                  <a:solidFill>
-                    <a:srgbClr val="ffffff"/>
-                  </a:solidFill>
-                </a:uFill>
-                <a:latin typeface="Arial"/>
-                <a:ea typeface="Arial"/>
-              </a:rPr>
-              <a:t>can be used to retrieve data </a:t>
-            </a:r>
-            <a:r>
-              <a:rPr b="0" lang="en-US" sz="2000" spc="-1" strike="noStrike">
-                <a:solidFill>
-                  <a:srgbClr val="000000"/>
-                </a:solidFill>
-                <a:uFill>
-                  <a:solidFill>
-                    <a:srgbClr val="ffffff"/>
-                  </a:solidFill>
-                </a:uFill>
-                <a:latin typeface="Arial"/>
-                <a:ea typeface="Arial"/>
-              </a:rPr>
-              <a:t>about food</a:t>
+              <a:t>Resulting viewpoints/characteristic codes can be used to retrieve data about food</a:t>
             </a:r>
             <a:endParaRPr b="0" lang="en-US" sz="1800" spc="-1" strike="noStrike">
               <a:solidFill>
@@ -8278,7 +8171,7 @@
         <p:spPr>
           <a:xfrm>
             <a:off x="443160" y="326880"/>
-            <a:ext cx="7315560" cy="856080"/>
+            <a:ext cx="7315200" cy="855720"/>
           </a:xfrm>
           <a:prstGeom prst="rect">
             <a:avLst/>
@@ -8340,7 +8233,7 @@
         <p:spPr>
           <a:xfrm>
             <a:off x="386640" y="1303920"/>
-            <a:ext cx="7984440" cy="3286800"/>
+            <a:ext cx="7984080" cy="3286440"/>
           </a:xfrm>
           <a:prstGeom prst="rect">
             <a:avLst/>
@@ -8359,7 +8252,7 @@
         <p:txBody>
           <a:bodyPr lIns="90000" rIns="90000" tIns="45000" bIns="45000"/>
           <a:p>
-            <a:pPr marL="228600" indent="-227160">
+            <a:pPr marL="228600" indent="-226800">
               <a:lnSpc>
                 <a:spcPct val="100000"/>
               </a:lnSpc>
@@ -8397,7 +8290,7 @@
             </a:endParaRPr>
           </a:p>
           <a:p>
-            <a:pPr marL="228600" indent="-227160">
+            <a:pPr marL="228600" indent="-226800">
               <a:lnSpc>
                 <a:spcPct val="100000"/>
               </a:lnSpc>
@@ -8435,7 +8328,7 @@
             </a:endParaRPr>
           </a:p>
           <a:p>
-            <a:pPr marL="228600" indent="-227160">
+            <a:pPr marL="228600" indent="-226800">
               <a:lnSpc>
                 <a:spcPct val="100000"/>
               </a:lnSpc>
@@ -8473,7 +8366,7 @@
             </a:endParaRPr>
           </a:p>
           <a:p>
-            <a:pPr marL="228600" indent="-227160">
+            <a:pPr marL="228600" indent="-226800">
               <a:lnSpc>
                 <a:spcPct val="100000"/>
               </a:lnSpc>
@@ -8511,7 +8404,7 @@
             </a:endParaRPr>
           </a:p>
           <a:p>
-            <a:pPr marL="228600" indent="-227160">
+            <a:pPr marL="228600" indent="-226800">
               <a:lnSpc>
                 <a:spcPct val="100000"/>
               </a:lnSpc>
@@ -8549,7 +8442,7 @@
             </a:endParaRPr>
           </a:p>
           <a:p>
-            <a:pPr marL="228600" indent="-227160">
+            <a:pPr marL="228600" indent="-226800">
               <a:lnSpc>
                 <a:spcPct val="100000"/>
               </a:lnSpc>
@@ -8587,7 +8480,7 @@
             </a:endParaRPr>
           </a:p>
           <a:p>
-            <a:pPr marL="228600" indent="-227160">
+            <a:pPr marL="228600" indent="-226800">
               <a:lnSpc>
                 <a:spcPct val="100000"/>
               </a:lnSpc>
@@ -8625,7 +8518,7 @@
             </a:endParaRPr>
           </a:p>
           <a:p>
-            <a:pPr marL="228600" indent="-227160">
+            <a:pPr marL="228600" indent="-226800">
               <a:lnSpc>
                 <a:spcPct val="100000"/>
               </a:lnSpc>
@@ -8663,7 +8556,7 @@
             </a:endParaRPr>
           </a:p>
           <a:p>
-            <a:pPr marL="228600" indent="-227160">
+            <a:pPr marL="228600" indent="-226800">
               <a:lnSpc>
                 <a:spcPct val="100000"/>
               </a:lnSpc>
@@ -8701,7 +8594,7 @@
             </a:endParaRPr>
           </a:p>
           <a:p>
-            <a:pPr marL="228600" indent="-227160">
+            <a:pPr marL="228600" indent="-226800">
               <a:lnSpc>
                 <a:spcPct val="100000"/>
               </a:lnSpc>
@@ -8739,7 +8632,7 @@
             </a:endParaRPr>
           </a:p>
           <a:p>
-            <a:pPr marL="228600" indent="-227160">
+            <a:pPr marL="228600" indent="-226800">
               <a:lnSpc>
                 <a:spcPct val="100000"/>
               </a:lnSpc>
@@ -8777,7 +8670,7 @@
             </a:endParaRPr>
           </a:p>
           <a:p>
-            <a:pPr marL="228600" indent="-227160">
+            <a:pPr marL="228600" indent="-226800">
               <a:lnSpc>
                 <a:spcPct val="100000"/>
               </a:lnSpc>
@@ -8877,7 +8770,7 @@
         <p:spPr>
           <a:xfrm>
             <a:off x="443160" y="326880"/>
-            <a:ext cx="7315560" cy="856080"/>
+            <a:ext cx="7315200" cy="855720"/>
           </a:xfrm>
           <a:prstGeom prst="rect">
             <a:avLst/>
@@ -8939,7 +8832,7 @@
         <p:spPr>
           <a:xfrm>
             <a:off x="386640" y="1303920"/>
-            <a:ext cx="7984440" cy="3286800"/>
+            <a:ext cx="7984080" cy="3286440"/>
           </a:xfrm>
           <a:prstGeom prst="rect">
             <a:avLst/>
@@ -8958,7 +8851,7 @@
         <p:txBody>
           <a:bodyPr lIns="90000" rIns="90000" tIns="45000" bIns="45000"/>
           <a:p>
-            <a:pPr marL="228600" indent="-227160">
+            <a:pPr marL="228600" indent="-226800">
               <a:lnSpc>
                 <a:spcPct val="100000"/>
               </a:lnSpc>
@@ -8996,7 +8889,7 @@
             </a:endParaRPr>
           </a:p>
           <a:p>
-            <a:pPr lvl="1" marL="432000" indent="-216000">
+            <a:pPr lvl="1" marL="432000" indent="-215640">
               <a:lnSpc>
                 <a:spcPct val="100000"/>
               </a:lnSpc>
@@ -9035,7 +8928,7 @@
             </a:endParaRPr>
           </a:p>
           <a:p>
-            <a:pPr lvl="1" marL="432000" indent="-216000">
+            <a:pPr lvl="1" marL="432000" indent="-215640">
               <a:lnSpc>
                 <a:spcPct val="100000"/>
               </a:lnSpc>
@@ -9074,7 +8967,7 @@
             </a:endParaRPr>
           </a:p>
           <a:p>
-            <a:pPr lvl="1" marL="432000" indent="-216000">
+            <a:pPr lvl="1" marL="432000" indent="-215640">
               <a:lnSpc>
                 <a:spcPct val="100000"/>
               </a:lnSpc>
@@ -9113,7 +9006,7 @@
             </a:endParaRPr>
           </a:p>
           <a:p>
-            <a:pPr lvl="1" marL="432000" indent="-216000">
+            <a:pPr lvl="1" marL="432000" indent="-215640">
               <a:lnSpc>
                 <a:spcPct val="100000"/>
               </a:lnSpc>
@@ -9152,7 +9045,7 @@
             </a:endParaRPr>
           </a:p>
           <a:p>
-            <a:pPr marL="228600" indent="-227160">
+            <a:pPr marL="228600" indent="-226800">
               <a:lnSpc>
                 <a:spcPct val="100000"/>
               </a:lnSpc>
@@ -9190,7 +9083,7 @@
             </a:endParaRPr>
           </a:p>
           <a:p>
-            <a:pPr lvl="1" marL="432000" indent="-216000">
+            <a:pPr lvl="1" marL="432000" indent="-215640">
               <a:lnSpc>
                 <a:spcPct val="100000"/>
               </a:lnSpc>
@@ -9229,7 +9122,7 @@
             </a:endParaRPr>
           </a:p>
           <a:p>
-            <a:pPr lvl="1" marL="432000" indent="-216000">
+            <a:pPr lvl="1" marL="432000" indent="-215640">
               <a:lnSpc>
                 <a:spcPct val="100000"/>
               </a:lnSpc>
@@ -9268,7 +9161,7 @@
             </a:endParaRPr>
           </a:p>
           <a:p>
-            <a:pPr marL="228600" indent="-227160">
+            <a:pPr marL="228600" indent="-226800">
               <a:lnSpc>
                 <a:spcPct val="100000"/>
               </a:lnSpc>
@@ -9306,7 +9199,7 @@
             </a:endParaRPr>
           </a:p>
           <a:p>
-            <a:pPr lvl="1" marL="432000" indent="-216000">
+            <a:pPr lvl="1" marL="432000" indent="-215640">
               <a:lnSpc>
                 <a:spcPct val="100000"/>
               </a:lnSpc>
@@ -9330,7 +9223,73 @@
                 <a:latin typeface="Arial"/>
                 <a:ea typeface="Arial"/>
               </a:rPr>
-              <a:t>Why is no NN in POS Tags? </a:t>
+              <a:t>Why is no NN in POS Tags?</a:t>
+            </a:r>
+            <a:endParaRPr b="0" lang="en-US" sz="1800" spc="-1" strike="noStrike">
+              <a:solidFill>
+                <a:srgbClr val="000000"/>
+              </a:solidFill>
+              <a:uFill>
+                <a:solidFill>
+                  <a:srgbClr val="ffffff"/>
+                </a:solidFill>
+              </a:uFill>
+              <a:latin typeface="Arial"/>
+            </a:endParaRPr>
+          </a:p>
+          <a:p>
+            <a:pPr>
+              <a:lnSpc>
+                <a:spcPct val="100000"/>
+              </a:lnSpc>
+            </a:pPr>
+            <a:r>
+              <a:rPr b="0" lang="en-US" sz="2000" spc="-1" strike="noStrike">
+                <a:solidFill>
+                  <a:srgbClr val="000000"/>
+                </a:solidFill>
+                <a:uFill>
+                  <a:solidFill>
+                    <a:srgbClr val="ffffff"/>
+                  </a:solidFill>
+                </a:uFill>
+                <a:latin typeface="Arial"/>
+                <a:ea typeface="Arial"/>
+              </a:rPr>
+              <a:t>~03279~^~0300~^~Babyfood, </a:t>
+            </a:r>
+            <a:endParaRPr b="0" lang="en-US" sz="1800" spc="-1" strike="noStrike">
+              <a:solidFill>
+                <a:srgbClr val="000000"/>
+              </a:solidFill>
+              <a:uFill>
+                <a:solidFill>
+                  <a:srgbClr val="ffffff"/>
+                </a:solidFill>
+              </a:uFill>
+              <a:latin typeface="Arial"/>
+            </a:endParaRPr>
+          </a:p>
+          <a:p>
+            <a:pPr>
+              <a:lnSpc>
+                <a:spcPct val="100000"/>
+              </a:lnSpc>
+            </a:pPr>
+            <a:r>
+              <a:rPr b="0" lang="en-US" sz="2000" spc="-1" strike="noStrike">
+                <a:solidFill>
+                  <a:srgbClr val="000000"/>
+                </a:solidFill>
+                <a:uFill>
+                  <a:solidFill>
+                    <a:srgbClr val="ffffff"/>
+                  </a:solidFill>
+                </a:uFill>
+                <a:latin typeface="Arial"/>
+                <a:ea typeface="Arial"/>
+              </a:rPr>
+              <a:t>dinner, mixed vegetable, junior~ </a:t>
             </a:r>
             <a:endParaRPr b="0" lang="en-US" sz="1800" spc="-1" strike="noStrike">
               <a:solidFill>
@@ -9359,7 +9318,7 @@
         <p:spPr>
           <a:xfrm>
             <a:off x="5394960" y="548640"/>
-            <a:ext cx="3616560" cy="4376880"/>
+            <a:ext cx="3616200" cy="4376520"/>
           </a:xfrm>
           <a:prstGeom prst="rect">
             <a:avLst/>
@@ -9430,7 +9389,7 @@
         <p:spPr>
           <a:xfrm>
             <a:off x="0" y="0"/>
-            <a:ext cx="9142560" cy="5142240"/>
+            <a:ext cx="9142200" cy="5141880"/>
           </a:xfrm>
           <a:prstGeom prst="rect">
             <a:avLst/>
@@ -9464,7 +9423,7 @@
         <p:spPr>
           <a:xfrm>
             <a:off x="3385440" y="2282040"/>
-            <a:ext cx="2110320" cy="420840"/>
+            <a:ext cx="2109960" cy="420480"/>
           </a:xfrm>
           <a:prstGeom prst="rect">
             <a:avLst/>
@@ -9535,7 +9494,7 @@
         <p:spPr>
           <a:xfrm>
             <a:off x="443160" y="326880"/>
-            <a:ext cx="7315560" cy="856080"/>
+            <a:ext cx="7315200" cy="855720"/>
           </a:xfrm>
           <a:prstGeom prst="rect">
             <a:avLst/>
@@ -9597,7 +9556,7 @@
         <p:spPr>
           <a:xfrm>
             <a:off x="386640" y="1303920"/>
-            <a:ext cx="7984440" cy="3286800"/>
+            <a:ext cx="7984080" cy="3286440"/>
           </a:xfrm>
           <a:prstGeom prst="rect">
             <a:avLst/>
@@ -9616,7 +9575,7 @@
         <p:txBody>
           <a:bodyPr lIns="90000" rIns="90000" tIns="45000" bIns="45000"/>
           <a:p>
-            <a:pPr marL="228600" indent="-227160">
+            <a:pPr marL="228600" indent="-226800">
               <a:lnSpc>
                 <a:spcPct val="100000"/>
               </a:lnSpc>
@@ -9654,7 +9613,7 @@
             </a:endParaRPr>
           </a:p>
           <a:p>
-            <a:pPr marL="228600" indent="-227160">
+            <a:pPr marL="228600" indent="-226800">
               <a:lnSpc>
                 <a:spcPct val="100000"/>
               </a:lnSpc>
@@ -9754,7 +9713,7 @@
         <p:spPr>
           <a:xfrm>
             <a:off x="443160" y="326880"/>
-            <a:ext cx="7315560" cy="856080"/>
+            <a:ext cx="7315200" cy="855720"/>
           </a:xfrm>
           <a:prstGeom prst="rect">
             <a:avLst/>
@@ -9816,7 +9775,7 @@
         <p:spPr>
           <a:xfrm>
             <a:off x="386640" y="1303920"/>
-            <a:ext cx="7984440" cy="3286800"/>
+            <a:ext cx="7984080" cy="3286440"/>
           </a:xfrm>
           <a:prstGeom prst="rect">
             <a:avLst/>
@@ -9835,7 +9794,7 @@
         <p:txBody>
           <a:bodyPr lIns="90000" rIns="90000" tIns="45000" bIns="45000"/>
           <a:p>
-            <a:pPr marL="228600" indent="-227160">
+            <a:pPr marL="228600" indent="-226800">
               <a:lnSpc>
                 <a:spcPct val="100000"/>
               </a:lnSpc>
@@ -9873,7 +9832,7 @@
             </a:endParaRPr>
           </a:p>
           <a:p>
-            <a:pPr lvl="1" marL="432000" indent="-215280">
+            <a:pPr lvl="1" marL="432000" indent="-214920">
               <a:lnSpc>
                 <a:spcPct val="100000"/>
               </a:lnSpc>
@@ -9912,7 +9871,7 @@
             </a:endParaRPr>
           </a:p>
           <a:p>
-            <a:pPr marL="228600" indent="-227160">
+            <a:pPr marL="228600" indent="-226800">
               <a:lnSpc>
                 <a:spcPct val="100000"/>
               </a:lnSpc>
@@ -9950,7 +9909,7 @@
             </a:endParaRPr>
           </a:p>
           <a:p>
-            <a:pPr lvl="1" marL="432000" indent="-215280">
+            <a:pPr lvl="1" marL="432000" indent="-214920">
               <a:lnSpc>
                 <a:spcPct val="100000"/>
               </a:lnSpc>
@@ -10051,7 +10010,7 @@
         <p:spPr>
           <a:xfrm>
             <a:off x="443160" y="326880"/>
-            <a:ext cx="7315560" cy="856080"/>
+            <a:ext cx="7315200" cy="855720"/>
           </a:xfrm>
           <a:prstGeom prst="rect">
             <a:avLst/>
@@ -10113,7 +10072,7 @@
         <p:spPr>
           <a:xfrm>
             <a:off x="386640" y="1303920"/>
-            <a:ext cx="7984440" cy="3286800"/>
+            <a:ext cx="7984080" cy="3286440"/>
           </a:xfrm>
           <a:prstGeom prst="rect">
             <a:avLst/>
@@ -10132,7 +10091,7 @@
         <p:txBody>
           <a:bodyPr lIns="90000" rIns="90000" tIns="45000" bIns="45000"/>
           <a:p>
-            <a:pPr marL="228600" indent="-227160">
+            <a:pPr marL="228600" indent="-226800">
               <a:lnSpc>
                 <a:spcPct val="100000"/>
               </a:lnSpc>
@@ -10170,7 +10129,7 @@
             </a:endParaRPr>
           </a:p>
           <a:p>
-            <a:pPr lvl="1" marL="432000" indent="-215280">
+            <a:pPr lvl="1" marL="432000" indent="-214920">
               <a:lnSpc>
                 <a:spcPct val="100000"/>
               </a:lnSpc>
@@ -10209,7 +10168,7 @@
             </a:endParaRPr>
           </a:p>
           <a:p>
-            <a:pPr lvl="1" marL="432000" indent="-215280">
+            <a:pPr lvl="1" marL="432000" indent="-214920">
               <a:lnSpc>
                 <a:spcPct val="100000"/>
               </a:lnSpc>
@@ -10310,7 +10269,7 @@
         <p:spPr>
           <a:xfrm>
             <a:off x="443160" y="326880"/>
-            <a:ext cx="7315560" cy="856080"/>
+            <a:ext cx="7315200" cy="855720"/>
           </a:xfrm>
           <a:prstGeom prst="rect">
             <a:avLst/>
@@ -10372,7 +10331,7 @@
         <p:spPr>
           <a:xfrm>
             <a:off x="386640" y="1303920"/>
-            <a:ext cx="7984440" cy="3286800"/>
+            <a:ext cx="7984080" cy="3286440"/>
           </a:xfrm>
           <a:prstGeom prst="rect">
             <a:avLst/>
@@ -11212,7 +11171,7 @@
         <p:spPr>
           <a:xfrm>
             <a:off x="443160" y="326880"/>
-            <a:ext cx="7315560" cy="856080"/>
+            <a:ext cx="7315200" cy="855720"/>
           </a:xfrm>
           <a:prstGeom prst="rect">
             <a:avLst/>
@@ -11274,7 +11233,7 @@
         <p:spPr>
           <a:xfrm>
             <a:off x="386640" y="1303920"/>
-            <a:ext cx="7984440" cy="3286800"/>
+            <a:ext cx="7984080" cy="3286440"/>
           </a:xfrm>
           <a:prstGeom prst="rect">
             <a:avLst/>
@@ -11814,7 +11773,7 @@
         <p:spPr>
           <a:xfrm>
             <a:off x="443160" y="326880"/>
-            <a:ext cx="7315560" cy="856080"/>
+            <a:ext cx="7315200" cy="855720"/>
           </a:xfrm>
           <a:prstGeom prst="rect">
             <a:avLst/>
@@ -11876,7 +11835,7 @@
         <p:spPr>
           <a:xfrm>
             <a:off x="386640" y="1303920"/>
-            <a:ext cx="7984440" cy="3286800"/>
+            <a:ext cx="7984080" cy="3286440"/>
           </a:xfrm>
           <a:prstGeom prst="rect">
             <a:avLst/>
@@ -12287,7 +12246,7 @@
         <p:spPr>
           <a:xfrm>
             <a:off x="443160" y="326880"/>
-            <a:ext cx="7315560" cy="856080"/>
+            <a:ext cx="7315200" cy="855720"/>
           </a:xfrm>
           <a:prstGeom prst="rect">
             <a:avLst/>
@@ -12349,7 +12308,7 @@
         <p:spPr>
           <a:xfrm>
             <a:off x="386640" y="1303920"/>
-            <a:ext cx="7984440" cy="3286800"/>
+            <a:ext cx="7984080" cy="3286440"/>
           </a:xfrm>
           <a:prstGeom prst="rect">
             <a:avLst/>
@@ -12401,7 +12360,7 @@
             </a:endParaRPr>
           </a:p>
           <a:p>
-            <a:pPr marL="228600" indent="-227160">
+            <a:pPr marL="228600" indent="-226800">
               <a:lnSpc>
                 <a:spcPct val="100000"/>
               </a:lnSpc>
@@ -12439,7 +12398,7 @@
             </a:endParaRPr>
           </a:p>
           <a:p>
-            <a:pPr marL="228600" indent="-227160">
+            <a:pPr marL="228600" indent="-226800">
               <a:lnSpc>
                 <a:spcPct val="100000"/>
               </a:lnSpc>
@@ -12477,7 +12436,7 @@
             </a:endParaRPr>
           </a:p>
           <a:p>
-            <a:pPr marL="228600" indent="-227160">
+            <a:pPr marL="228600" indent="-226800">
               <a:lnSpc>
                 <a:spcPct val="100000"/>
               </a:lnSpc>
@@ -12515,7 +12474,7 @@
             </a:endParaRPr>
           </a:p>
           <a:p>
-            <a:pPr marL="228600" indent="-227160">
+            <a:pPr marL="228600" indent="-226800">
               <a:lnSpc>
                 <a:spcPct val="100000"/>
               </a:lnSpc>
@@ -12553,7 +12512,7 @@
             </a:endParaRPr>
           </a:p>
           <a:p>
-            <a:pPr marL="228600" indent="-227160">
+            <a:pPr marL="228600" indent="-226800">
               <a:lnSpc>
                 <a:spcPct val="100000"/>
               </a:lnSpc>
@@ -12591,7 +12550,7 @@
             </a:endParaRPr>
           </a:p>
           <a:p>
-            <a:pPr marL="228600" indent="-227160">
+            <a:pPr marL="228600" indent="-226800">
               <a:lnSpc>
                 <a:spcPct val="100000"/>
               </a:lnSpc>
@@ -12629,7 +12588,7 @@
             </a:endParaRPr>
           </a:p>
           <a:p>
-            <a:pPr lvl="1" marL="432000" indent="-216000">
+            <a:pPr lvl="1" marL="432000" indent="-215640">
               <a:lnSpc>
                 <a:spcPct val="100000"/>
               </a:lnSpc>
@@ -12668,7 +12627,7 @@
             </a:endParaRPr>
           </a:p>
           <a:p>
-            <a:pPr lvl="1" marL="432000" indent="-216000">
+            <a:pPr lvl="1" marL="432000" indent="-215640">
               <a:lnSpc>
                 <a:spcPct val="100000"/>
               </a:lnSpc>
@@ -12707,7 +12666,7 @@
             </a:endParaRPr>
           </a:p>
           <a:p>
-            <a:pPr lvl="2" marL="648000" indent="-216000">
+            <a:pPr lvl="2" marL="648000" indent="-215640">
               <a:lnSpc>
                 <a:spcPct val="100000"/>
               </a:lnSpc>
@@ -12746,7 +12705,7 @@
             </a:endParaRPr>
           </a:p>
           <a:p>
-            <a:pPr lvl="2" marL="648000" indent="-216000">
+            <a:pPr lvl="2" marL="648000" indent="-215640">
               <a:lnSpc>
                 <a:spcPct val="100000"/>
               </a:lnSpc>
@@ -12785,7 +12744,7 @@
             </a:endParaRPr>
           </a:p>
           <a:p>
-            <a:pPr marL="228600" indent="-227160">
+            <a:pPr marL="228600" indent="-226800">
               <a:lnSpc>
                 <a:spcPct val="100000"/>
               </a:lnSpc>
@@ -12885,7 +12844,7 @@
         <p:spPr>
           <a:xfrm>
             <a:off x="443160" y="326880"/>
-            <a:ext cx="7315560" cy="856080"/>
+            <a:ext cx="7315200" cy="855720"/>
           </a:xfrm>
           <a:prstGeom prst="rect">
             <a:avLst/>
@@ -12947,7 +12906,7 @@
         <p:spPr>
           <a:xfrm>
             <a:off x="386640" y="1303920"/>
-            <a:ext cx="7984440" cy="3286800"/>
+            <a:ext cx="7984080" cy="3286440"/>
           </a:xfrm>
           <a:prstGeom prst="rect">
             <a:avLst/>
@@ -12999,7 +12958,7 @@
             </a:endParaRPr>
           </a:p>
           <a:p>
-            <a:pPr marL="228600" indent="-227160">
+            <a:pPr marL="228600" indent="-226800">
               <a:lnSpc>
                 <a:spcPct val="100000"/>
               </a:lnSpc>
@@ -13037,7 +12996,7 @@
             </a:endParaRPr>
           </a:p>
           <a:p>
-            <a:pPr marL="228600" indent="-227160">
+            <a:pPr marL="228600" indent="-226800">
               <a:lnSpc>
                 <a:spcPct val="100000"/>
               </a:lnSpc>
@@ -13075,7 +13034,7 @@
             </a:endParaRPr>
           </a:p>
           <a:p>
-            <a:pPr marL="228600" indent="-227160">
+            <a:pPr marL="228600" indent="-226800">
               <a:lnSpc>
                 <a:spcPct val="100000"/>
               </a:lnSpc>
@@ -13113,7 +13072,7 @@
             </a:endParaRPr>
           </a:p>
           <a:p>
-            <a:pPr marL="228600" indent="-227160">
+            <a:pPr marL="228600" indent="-226800">
               <a:lnSpc>
                 <a:spcPct val="100000"/>
               </a:lnSpc>
@@ -13151,7 +13110,7 @@
             </a:endParaRPr>
           </a:p>
           <a:p>
-            <a:pPr marL="228600" indent="-227160">
+            <a:pPr marL="228600" indent="-226800">
               <a:lnSpc>
                 <a:spcPct val="100000"/>
               </a:lnSpc>
